--- a/instructions/Instructions_HaloEffect_4x3.pptx
+++ b/instructions/Instructions_HaloEffect_4x3.pptx
@@ -170,22 +170,22 @@
             <p14:sldId id="264"/>
           </p14:sldIdLst>
         </p14:section>
-        <p14:section name="Pre-real experiment" id="{1D3D8369-B9C3-444B-9518-0FD437C3DB2B}">
+        <p14:section name="Pre-block 3" id="{1D3D8369-B9C3-444B-9518-0FD437C3DB2B}">
           <p14:sldIdLst>
             <p14:sldId id="266"/>
           </p14:sldIdLst>
         </p14:section>
-        <p14:section name="Task switch" id="{F5F6918B-6D25-481A-B149-BF6E4284A9DA}">
+        <p14:section name="Pre-block 5" id="{F5F6918B-6D25-481A-B149-BF6E4284A9DA}">
           <p14:sldIdLst>
             <p14:sldId id="279"/>
           </p14:sldIdLst>
         </p14:section>
-        <p14:section name="Task switch 2" id="{0142B385-60A7-4584-87AD-E18F0B72E71E}">
+        <p14:section name="Pre-block 7" id="{0142B385-60A7-4584-87AD-E18F0B72E71E}">
           <p14:sldIdLst>
             <p14:sldId id="280"/>
           </p14:sldIdLst>
         </p14:section>
-        <p14:section name="Post-real experiment" id="{675F9AF8-AE80-4235-98D6-7B4C55FF050D}">
+        <p14:section name="After Last block" id="{675F9AF8-AE80-4235-98D6-7B4C55FF050D}">
           <p14:sldIdLst>
             <p14:sldId id="265"/>
           </p14:sldIdLst>
@@ -6607,8 +6607,8 @@
         </p:nvSpPr>
         <p:spPr>
           <a:xfrm>
-            <a:off x="1951" y="2134206"/>
-            <a:ext cx="9599249" cy="300403"/>
+            <a:off x="-612" y="1934996"/>
+            <a:ext cx="9599249" cy="716543"/>
           </a:xfrm>
           <a:prstGeom prst="rect">
             <a:avLst/>
@@ -6632,8 +6632,60 @@
                 <a:latin typeface="Arial" panose="020B0604020202020204" pitchFamily="34" charset="0"/>
                 <a:cs typeface="Arial" panose="020B0604020202020204" pitchFamily="34" charset="0"/>
               </a:rPr>
-              <a:t>Now you will start the real experiment.</a:t>
-            </a:r>
+              <a:t>Now you will start the real experiment</a:t>
+            </a:r>
+            <a:r>
+              <a:rPr lang="en-GB" sz="1352" dirty="0" smtClean="0">
+                <a:solidFill>
+                  <a:schemeClr val="bg1">
+                    <a:lumMod val="95000"/>
+                    <a:lumOff val="5000"/>
+                  </a:schemeClr>
+                </a:solidFill>
+                <a:latin typeface="Arial" panose="020B0604020202020204" pitchFamily="34" charset="0"/>
+                <a:cs typeface="Arial" panose="020B0604020202020204" pitchFamily="34" charset="0"/>
+              </a:rPr>
+              <a:t>.</a:t>
+            </a:r>
+          </a:p>
+          <a:p>
+            <a:pPr algn="ctr"/>
+            <a:endParaRPr lang="en-GB" sz="1352" dirty="0">
+              <a:solidFill>
+                <a:schemeClr val="bg1">
+                  <a:lumMod val="95000"/>
+                  <a:lumOff val="5000"/>
+                </a:schemeClr>
+              </a:solidFill>
+              <a:latin typeface="Arial" panose="020B0604020202020204" pitchFamily="34" charset="0"/>
+              <a:cs typeface="Arial" panose="020B0604020202020204" pitchFamily="34" charset="0"/>
+            </a:endParaRPr>
+          </a:p>
+          <a:p>
+            <a:pPr algn="ctr"/>
+            <a:r>
+              <a:rPr lang="en-GB" sz="1352" b="1" dirty="0" smtClean="0">
+                <a:solidFill>
+                  <a:schemeClr val="bg1">
+                    <a:lumMod val="95000"/>
+                    <a:lumOff val="5000"/>
+                  </a:schemeClr>
+                </a:solidFill>
+                <a:latin typeface="Arial" panose="020B0604020202020204" pitchFamily="34" charset="0"/>
+                <a:cs typeface="Arial" panose="020B0604020202020204" pitchFamily="34" charset="0"/>
+              </a:rPr>
+              <a:t>From now on you will not be told if you are incorrect.</a:t>
+            </a:r>
+            <a:endParaRPr lang="en-GB" sz="1352" b="1" dirty="0">
+              <a:solidFill>
+                <a:schemeClr val="bg1">
+                  <a:lumMod val="95000"/>
+                  <a:lumOff val="5000"/>
+                </a:schemeClr>
+              </a:solidFill>
+              <a:latin typeface="Arial" panose="020B0604020202020204" pitchFamily="34" charset="0"/>
+              <a:cs typeface="Arial" panose="020B0604020202020204" pitchFamily="34" charset="0"/>
+            </a:endParaRPr>
           </a:p>
         </p:txBody>
       </p:sp>
@@ -10140,8 +10192,8 @@
         </p:nvSpPr>
         <p:spPr>
           <a:xfrm>
-            <a:off x="-1" y="2944843"/>
-            <a:ext cx="9599249" cy="716543"/>
+            <a:off x="-612" y="2826039"/>
+            <a:ext cx="9599249" cy="1548822"/>
           </a:xfrm>
           <a:prstGeom prst="rect">
             <a:avLst/>
@@ -10165,8 +10217,102 @@
                 <a:latin typeface="Arial" panose="020B0604020202020204" pitchFamily="34" charset="0"/>
                 <a:cs typeface="Arial" panose="020B0604020202020204" pitchFamily="34" charset="0"/>
               </a:rPr>
-              <a:t>Now you will get a chance to experience the task. </a:t>
-            </a:r>
+              <a:t>Now you will get a chance to experience the </a:t>
+            </a:r>
+            <a:r>
+              <a:rPr lang="en-GB" sz="1352" dirty="0" smtClean="0">
+                <a:solidFill>
+                  <a:schemeClr val="bg1">
+                    <a:lumMod val="95000"/>
+                    <a:lumOff val="5000"/>
+                  </a:schemeClr>
+                </a:solidFill>
+                <a:latin typeface="Arial" panose="020B0604020202020204" pitchFamily="34" charset="0"/>
+                <a:cs typeface="Arial" panose="020B0604020202020204" pitchFamily="34" charset="0"/>
+              </a:rPr>
+              <a:t>task.</a:t>
+            </a:r>
+          </a:p>
+          <a:p>
+            <a:pPr algn="ctr"/>
+            <a:endParaRPr lang="en-GB" sz="1352" dirty="0">
+              <a:solidFill>
+                <a:schemeClr val="bg1">
+                  <a:lumMod val="95000"/>
+                  <a:lumOff val="5000"/>
+                </a:schemeClr>
+              </a:solidFill>
+              <a:latin typeface="Arial" panose="020B0604020202020204" pitchFamily="34" charset="0"/>
+              <a:cs typeface="Arial" panose="020B0604020202020204" pitchFamily="34" charset="0"/>
+            </a:endParaRPr>
+          </a:p>
+          <a:p>
+            <a:pPr algn="ctr"/>
+            <a:r>
+              <a:rPr lang="en-GB" sz="1352" dirty="0" smtClean="0">
+                <a:solidFill>
+                  <a:schemeClr val="bg1">
+                    <a:lumMod val="95000"/>
+                    <a:lumOff val="5000"/>
+                  </a:schemeClr>
+                </a:solidFill>
+                <a:latin typeface="Arial" panose="020B0604020202020204" pitchFamily="34" charset="0"/>
+                <a:cs typeface="Arial" panose="020B0604020202020204" pitchFamily="34" charset="0"/>
+              </a:rPr>
+              <a:t>You will perform the task twice. </a:t>
+            </a:r>
+          </a:p>
+          <a:p>
+            <a:pPr algn="ctr"/>
+            <a:endParaRPr lang="en-GB" sz="1352" dirty="0">
+              <a:solidFill>
+                <a:schemeClr val="bg1">
+                  <a:lumMod val="95000"/>
+                  <a:lumOff val="5000"/>
+                </a:schemeClr>
+              </a:solidFill>
+              <a:latin typeface="Arial" panose="020B0604020202020204" pitchFamily="34" charset="0"/>
+              <a:cs typeface="Arial" panose="020B0604020202020204" pitchFamily="34" charset="0"/>
+            </a:endParaRPr>
+          </a:p>
+          <a:p>
+            <a:pPr algn="ctr"/>
+            <a:r>
+              <a:rPr lang="en-GB" sz="1352" dirty="0" smtClean="0">
+                <a:solidFill>
+                  <a:schemeClr val="bg1">
+                    <a:lumMod val="95000"/>
+                    <a:lumOff val="5000"/>
+                  </a:schemeClr>
+                </a:solidFill>
+                <a:latin typeface="Arial" panose="020B0604020202020204" pitchFamily="34" charset="0"/>
+                <a:cs typeface="Arial" panose="020B0604020202020204" pitchFamily="34" charset="0"/>
+              </a:rPr>
+              <a:t>If you get the task wrong you will hear a noise.</a:t>
+            </a:r>
+            <a:r>
+              <a:rPr lang="en-GB" sz="1352" dirty="0" smtClean="0">
+                <a:solidFill>
+                  <a:schemeClr val="bg1">
+                    <a:lumMod val="95000"/>
+                    <a:lumOff val="5000"/>
+                  </a:schemeClr>
+                </a:solidFill>
+                <a:latin typeface="Arial" panose="020B0604020202020204" pitchFamily="34" charset="0"/>
+                <a:cs typeface="Arial" panose="020B0604020202020204" pitchFamily="34" charset="0"/>
+              </a:rPr>
+              <a:t> </a:t>
+            </a:r>
+            <a:endParaRPr lang="en-GB" sz="1352" dirty="0">
+              <a:solidFill>
+                <a:schemeClr val="bg1">
+                  <a:lumMod val="95000"/>
+                  <a:lumOff val="5000"/>
+                </a:schemeClr>
+              </a:solidFill>
+              <a:latin typeface="Arial" panose="020B0604020202020204" pitchFamily="34" charset="0"/>
+              <a:cs typeface="Arial" panose="020B0604020202020204" pitchFamily="34" charset="0"/>
+            </a:endParaRPr>
           </a:p>
           <a:p>
             <a:pPr algn="ctr"/>

--- a/instructions/Instructions_HaloEffect_4x3.pptx
+++ b/instructions/Instructions_HaloEffect_4x3.pptx
@@ -18,9 +18,9 @@
     <p:sldId id="276" r:id="rId12"/>
     <p:sldId id="277" r:id="rId13"/>
     <p:sldId id="261" r:id="rId14"/>
-    <p:sldId id="262" r:id="rId15"/>
-    <p:sldId id="267" r:id="rId16"/>
-    <p:sldId id="268" r:id="rId17"/>
+    <p:sldId id="282" r:id="rId15"/>
+    <p:sldId id="284" r:id="rId16"/>
+    <p:sldId id="281" r:id="rId17"/>
     <p:sldId id="278" r:id="rId18"/>
     <p:sldId id="264" r:id="rId19"/>
     <p:sldId id="266" r:id="rId20"/>
@@ -163,9 +163,9 @@
         </p14:section>
         <p14:section name="Pre-block 2" id="{13C5D4A9-EA89-40B7-98DD-96CCEC6208AF}">
           <p14:sldIdLst>
-            <p14:sldId id="262"/>
-            <p14:sldId id="267"/>
-            <p14:sldId id="268"/>
+            <p14:sldId id="282"/>
+            <p14:sldId id="284"/>
+            <p14:sldId id="281"/>
             <p14:sldId id="278"/>
             <p14:sldId id="264"/>
           </p14:sldIdLst>
@@ -341,7 +341,7 @@
           <a:p>
             <a:fld id="{D1C4DD76-DAF4-41C3-81F8-403CC17608AA}" type="datetimeFigureOut">
               <a:rPr lang="en-GB" smtClean="0"/>
-              <a:t>15/02/2018</a:t>
+              <a:t>16/02/2018</a:t>
             </a:fld>
             <a:endParaRPr lang="en-GB"/>
           </a:p>
@@ -511,7 +511,7 @@
           <a:p>
             <a:fld id="{D1C4DD76-DAF4-41C3-81F8-403CC17608AA}" type="datetimeFigureOut">
               <a:rPr lang="en-GB" smtClean="0"/>
-              <a:t>15/02/2018</a:t>
+              <a:t>16/02/2018</a:t>
             </a:fld>
             <a:endParaRPr lang="en-GB"/>
           </a:p>
@@ -691,7 +691,7 @@
           <a:p>
             <a:fld id="{D1C4DD76-DAF4-41C3-81F8-403CC17608AA}" type="datetimeFigureOut">
               <a:rPr lang="en-GB" smtClean="0"/>
-              <a:t>15/02/2018</a:t>
+              <a:t>16/02/2018</a:t>
             </a:fld>
             <a:endParaRPr lang="en-GB"/>
           </a:p>
@@ -861,7 +861,7 @@
           <a:p>
             <a:fld id="{D1C4DD76-DAF4-41C3-81F8-403CC17608AA}" type="datetimeFigureOut">
               <a:rPr lang="en-GB" smtClean="0"/>
-              <a:t>15/02/2018</a:t>
+              <a:t>16/02/2018</a:t>
             </a:fld>
             <a:endParaRPr lang="en-GB"/>
           </a:p>
@@ -1105,7 +1105,7 @@
           <a:p>
             <a:fld id="{D1C4DD76-DAF4-41C3-81F8-403CC17608AA}" type="datetimeFigureOut">
               <a:rPr lang="en-GB" smtClean="0"/>
-              <a:t>15/02/2018</a:t>
+              <a:t>16/02/2018</a:t>
             </a:fld>
             <a:endParaRPr lang="en-GB"/>
           </a:p>
@@ -1337,7 +1337,7 @@
           <a:p>
             <a:fld id="{D1C4DD76-DAF4-41C3-81F8-403CC17608AA}" type="datetimeFigureOut">
               <a:rPr lang="en-GB" smtClean="0"/>
-              <a:t>15/02/2018</a:t>
+              <a:t>16/02/2018</a:t>
             </a:fld>
             <a:endParaRPr lang="en-GB"/>
           </a:p>
@@ -1704,7 +1704,7 @@
           <a:p>
             <a:fld id="{D1C4DD76-DAF4-41C3-81F8-403CC17608AA}" type="datetimeFigureOut">
               <a:rPr lang="en-GB" smtClean="0"/>
-              <a:t>15/02/2018</a:t>
+              <a:t>16/02/2018</a:t>
             </a:fld>
             <a:endParaRPr lang="en-GB"/>
           </a:p>
@@ -1822,7 +1822,7 @@
           <a:p>
             <a:fld id="{D1C4DD76-DAF4-41C3-81F8-403CC17608AA}" type="datetimeFigureOut">
               <a:rPr lang="en-GB" smtClean="0"/>
-              <a:t>15/02/2018</a:t>
+              <a:t>16/02/2018</a:t>
             </a:fld>
             <a:endParaRPr lang="en-GB"/>
           </a:p>
@@ -1917,7 +1917,7 @@
           <a:p>
             <a:fld id="{D1C4DD76-DAF4-41C3-81F8-403CC17608AA}" type="datetimeFigureOut">
               <a:rPr lang="en-GB" smtClean="0"/>
-              <a:t>15/02/2018</a:t>
+              <a:t>16/02/2018</a:t>
             </a:fld>
             <a:endParaRPr lang="en-GB"/>
           </a:p>
@@ -2194,7 +2194,7 @@
           <a:p>
             <a:fld id="{D1C4DD76-DAF4-41C3-81F8-403CC17608AA}" type="datetimeFigureOut">
               <a:rPr lang="en-GB" smtClean="0"/>
-              <a:t>15/02/2018</a:t>
+              <a:t>16/02/2018</a:t>
             </a:fld>
             <a:endParaRPr lang="en-GB"/>
           </a:p>
@@ -2451,7 +2451,7 @@
           <a:p>
             <a:fld id="{D1C4DD76-DAF4-41C3-81F8-403CC17608AA}" type="datetimeFigureOut">
               <a:rPr lang="en-GB" smtClean="0"/>
-              <a:t>15/02/2018</a:t>
+              <a:t>16/02/2018</a:t>
             </a:fld>
             <a:endParaRPr lang="en-GB"/>
           </a:p>
@@ -2541,6 +2541,52 @@
       </p:grpSpPr>
       <p:sp>
         <p:nvSpPr>
+          <p:cNvPr id="7" name="Rectangle 6"/>
+          <p:cNvSpPr/>
+          <p:nvPr userDrawn="1"/>
+        </p:nvSpPr>
+        <p:spPr>
+          <a:xfrm>
+            <a:off x="0" y="0"/>
+            <a:ext cx="9601200" cy="7269480"/>
+          </a:xfrm>
+          <a:prstGeom prst="rect">
+            <a:avLst/>
+          </a:prstGeom>
+          <a:solidFill>
+            <a:srgbClr val="7F7F7F"/>
+          </a:solidFill>
+          <a:ln>
+            <a:noFill/>
+          </a:ln>
+        </p:spPr>
+        <p:style>
+          <a:lnRef idx="2">
+            <a:schemeClr val="accent1">
+              <a:shade val="50000"/>
+            </a:schemeClr>
+          </a:lnRef>
+          <a:fillRef idx="1">
+            <a:schemeClr val="accent1"/>
+          </a:fillRef>
+          <a:effectRef idx="0">
+            <a:schemeClr val="accent1"/>
+          </a:effectRef>
+          <a:fontRef idx="minor">
+            <a:schemeClr val="lt1"/>
+          </a:fontRef>
+        </p:style>
+        <p:txBody>
+          <a:bodyPr rtlCol="0" anchor="ctr"/>
+          <a:lstStyle/>
+          <a:p>
+            <a:pPr algn="ctr"/>
+            <a:endParaRPr lang="en-GB"/>
+          </a:p>
+        </p:txBody>
+      </p:sp>
+      <p:sp>
+        <p:nvSpPr>
           <p:cNvPr id="2" name="Title Placeholder 1"/>
           <p:cNvSpPr>
             <a:spLocks noGrp="1"/>
@@ -2669,7 +2715,7 @@
           <a:p>
             <a:fld id="{D1C4DD76-DAF4-41C3-81F8-403CC17608AA}" type="datetimeFigureOut">
               <a:rPr lang="en-GB" smtClean="0"/>
-              <a:t>15/02/2018</a:t>
+              <a:t>16/02/2018</a:t>
             </a:fld>
             <a:endParaRPr lang="en-GB"/>
           </a:p>
@@ -3368,8 +3414,8 @@
         </p:nvSpPr>
         <p:spPr>
           <a:xfrm>
-            <a:off x="-1" y="2944843"/>
-            <a:ext cx="9599249" cy="924612"/>
+            <a:off x="1674448" y="1984723"/>
+            <a:ext cx="6250352" cy="924612"/>
           </a:xfrm>
           <a:prstGeom prst="rect">
             <a:avLst/>
@@ -3591,8 +3637,8 @@
         </p:nvSpPr>
         <p:spPr>
           <a:xfrm>
-            <a:off x="-1" y="2944843"/>
-            <a:ext cx="9599249" cy="716543"/>
+            <a:off x="1775461" y="1939003"/>
+            <a:ext cx="6047104" cy="924612"/>
           </a:xfrm>
           <a:prstGeom prst="rect">
             <a:avLst/>
@@ -3814,7 +3860,7 @@
         </p:nvSpPr>
         <p:spPr>
           <a:xfrm>
-            <a:off x="-1" y="2944843"/>
+            <a:off x="1951" y="1999963"/>
             <a:ext cx="9599249" cy="1132682"/>
           </a:xfrm>
           <a:prstGeom prst="rect">
@@ -4220,8 +4266,8 @@
         </p:nvSpPr>
         <p:spPr>
           <a:xfrm>
-            <a:off x="221610" y="2281976"/>
-            <a:ext cx="9157977" cy="2100575"/>
+            <a:off x="221610" y="1870652"/>
+            <a:ext cx="9157977" cy="1546577"/>
           </a:xfrm>
           <a:prstGeom prst="rect">
             <a:avLst/>
@@ -4288,11 +4334,21 @@
                 <a:latin typeface="Arial" panose="020B0604020202020204" pitchFamily="34" charset="0"/>
                 <a:cs typeface="Arial" panose="020B0604020202020204" pitchFamily="34" charset="0"/>
               </a:rPr>
-              <a:t>This means you should:</a:t>
-            </a:r>
-          </a:p>
-          <a:p>
-            <a:pPr algn="ctr"/>
+              <a:t>This means you should</a:t>
+            </a:r>
+            <a:r>
+              <a:rPr lang="en-GB" sz="1600" dirty="0" smtClean="0">
+                <a:solidFill>
+                  <a:schemeClr val="bg1">
+                    <a:lumMod val="95000"/>
+                    <a:lumOff val="5000"/>
+                  </a:schemeClr>
+                </a:solidFill>
+                <a:latin typeface="Arial" panose="020B0604020202020204" pitchFamily="34" charset="0"/>
+                <a:cs typeface="Arial" panose="020B0604020202020204" pitchFamily="34" charset="0"/>
+              </a:rPr>
+              <a:t>:</a:t>
+            </a:r>
             <a:endParaRPr lang="en-GB" dirty="0">
               <a:solidFill>
                 <a:schemeClr val="bg1">
@@ -4356,11 +4412,21 @@
                 <a:latin typeface="Arial" panose="020B0604020202020204" pitchFamily="34" charset="0"/>
                 <a:cs typeface="Arial" panose="020B0604020202020204" pitchFamily="34" charset="0"/>
               </a:rPr>
-              <a:t>truly confident</a:t>
-            </a:r>
-          </a:p>
-          <a:p>
-            <a:pPr algn="ctr"/>
+              <a:t>truly </a:t>
+            </a:r>
+            <a:r>
+              <a:rPr lang="en-GB" b="1" dirty="0" smtClean="0">
+                <a:solidFill>
+                  <a:schemeClr val="bg1">
+                    <a:lumMod val="95000"/>
+                    <a:lumOff val="5000"/>
+                  </a:schemeClr>
+                </a:solidFill>
+                <a:latin typeface="Arial" panose="020B0604020202020204" pitchFamily="34" charset="0"/>
+                <a:cs typeface="Arial" panose="020B0604020202020204" pitchFamily="34" charset="0"/>
+              </a:rPr>
+              <a:t>confident</a:t>
+            </a:r>
             <a:endParaRPr lang="en-GB" dirty="0">
               <a:solidFill>
                 <a:schemeClr val="bg1">
@@ -4555,8 +4621,8 @@
         </p:nvSpPr>
         <p:spPr>
           <a:xfrm>
-            <a:off x="31144" y="1818511"/>
-            <a:ext cx="9599249" cy="1132682"/>
+            <a:off x="476738" y="1771622"/>
+            <a:ext cx="8661172" cy="924612"/>
           </a:xfrm>
           <a:prstGeom prst="rect">
             <a:avLst/>
@@ -4635,11 +4701,21 @@
                 <a:latin typeface="Arial" panose="020B0604020202020204" pitchFamily="34" charset="0"/>
                 <a:cs typeface="Arial" panose="020B0604020202020204" pitchFamily="34" charset="0"/>
               </a:rPr>
-              <a:t>These virtual agents are performing the same task as you do, and they will inform you as to whether they think the box with the most dots was on the left or the right.</a:t>
-            </a:r>
-          </a:p>
-          <a:p>
-            <a:pPr algn="ctr"/>
+              <a:t>These virtual agents are performing the same task as you do, and they will inform you as to whether they think the box with the most dots was on the left or the right</a:t>
+            </a:r>
+            <a:r>
+              <a:rPr lang="en-US" sz="1352" dirty="0" smtClean="0">
+                <a:solidFill>
+                  <a:schemeClr val="bg1">
+                    <a:lumMod val="95000"/>
+                    <a:lumOff val="5000"/>
+                  </a:schemeClr>
+                </a:solidFill>
+                <a:latin typeface="Arial" panose="020B0604020202020204" pitchFamily="34" charset="0"/>
+                <a:cs typeface="Arial" panose="020B0604020202020204" pitchFamily="34" charset="0"/>
+              </a:rPr>
+              <a:t>.</a:t>
+            </a:r>
             <a:endParaRPr lang="en-US" sz="1352" dirty="0">
               <a:solidFill>
                 <a:schemeClr val="bg1">
@@ -4660,11 +4736,7 @@
             <a:graphicFrameLocks noGrp="1"/>
           </p:cNvGraphicFramePr>
           <p:nvPr>
-            <p:extLst>
-              <p:ext uri="{D42A27DB-BD31-4B8C-83A1-F6EECF244321}">
-                <p14:modId xmlns:p14="http://schemas.microsoft.com/office/powerpoint/2010/main" val="2604197253"/>
-              </p:ext>
-            </p:extLst>
+            <p:extLst/>
           </p:nvPr>
         </p:nvGraphicFramePr>
         <p:xfrm>
@@ -4723,7 +4795,7 @@
     </p:spTree>
     <p:extLst>
       <p:ext uri="{BB962C8B-B14F-4D97-AF65-F5344CB8AC3E}">
-        <p14:creationId xmlns:p14="http://schemas.microsoft.com/office/powerpoint/2010/main" val="1598829624"/>
+        <p14:creationId xmlns:p14="http://schemas.microsoft.com/office/powerpoint/2010/main" val="2618002541"/>
       </p:ext>
     </p:extLst>
   </p:cSld>
@@ -4836,8 +4908,8 @@
         </p:nvSpPr>
         <p:spPr>
           <a:xfrm>
-            <a:off x="31144" y="1818511"/>
-            <a:ext cx="9599249" cy="1548822"/>
+            <a:off x="476738" y="1771622"/>
+            <a:ext cx="8661172" cy="1340752"/>
           </a:xfrm>
           <a:prstGeom prst="rect">
             <a:avLst/>
@@ -4945,11 +5017,21 @@
                 <a:latin typeface="Arial" panose="020B0604020202020204" pitchFamily="34" charset="0"/>
                 <a:cs typeface="Arial" panose="020B0604020202020204" pitchFamily="34" charset="0"/>
               </a:rPr>
-              <a:t>You will see the boxes and place your marker as before.</a:t>
-            </a:r>
-          </a:p>
-          <a:p>
-            <a:pPr algn="ctr"/>
+              <a:t>You will see the boxes and place your marker as before</a:t>
+            </a:r>
+            <a:r>
+              <a:rPr lang="en-GB" sz="1352" dirty="0" smtClean="0">
+                <a:solidFill>
+                  <a:schemeClr val="bg1">
+                    <a:lumMod val="95000"/>
+                    <a:lumOff val="5000"/>
+                  </a:schemeClr>
+                </a:solidFill>
+                <a:latin typeface="Arial" panose="020B0604020202020204" pitchFamily="34" charset="0"/>
+                <a:cs typeface="Arial" panose="020B0604020202020204" pitchFamily="34" charset="0"/>
+              </a:rPr>
+              <a:t>.</a:t>
+            </a:r>
             <a:endParaRPr lang="en-GB" sz="1352" dirty="0">
               <a:solidFill>
                 <a:schemeClr val="bg1">
@@ -4970,11 +5052,7 @@
             <a:graphicFrameLocks noGrp="1"/>
           </p:cNvGraphicFramePr>
           <p:nvPr>
-            <p:extLst>
-              <p:ext uri="{D42A27DB-BD31-4B8C-83A1-F6EECF244321}">
-                <p14:modId xmlns:p14="http://schemas.microsoft.com/office/powerpoint/2010/main" val="2604197253"/>
-              </p:ext>
-            </p:extLst>
+            <p:extLst/>
           </p:nvPr>
         </p:nvGraphicFramePr>
         <p:xfrm>
@@ -5033,7 +5111,7 @@
     </p:spTree>
     <p:extLst>
       <p:ext uri="{BB962C8B-B14F-4D97-AF65-F5344CB8AC3E}">
-        <p14:creationId xmlns:p14="http://schemas.microsoft.com/office/powerpoint/2010/main" val="1196679752"/>
+        <p14:creationId xmlns:p14="http://schemas.microsoft.com/office/powerpoint/2010/main" val="580251747"/>
       </p:ext>
     </p:extLst>
   </p:cSld>
@@ -5146,8 +5224,8 @@
         </p:nvSpPr>
         <p:spPr>
           <a:xfrm>
-            <a:off x="31144" y="1818512"/>
-            <a:ext cx="9599249" cy="3005310"/>
+            <a:off x="476738" y="1771622"/>
+            <a:ext cx="8661172" cy="2797241"/>
           </a:xfrm>
           <a:prstGeom prst="rect">
             <a:avLst/>
@@ -5453,7 +5531,7 @@
               <a:t>confidence in your decision</a:t>
             </a:r>
             <a:r>
-              <a:rPr lang="en-GB" sz="1352" dirty="0">
+              <a:rPr lang="en-GB" sz="1352" dirty="0" smtClean="0">
                 <a:solidFill>
                   <a:schemeClr val="bg1">
                     <a:lumMod val="95000"/>
@@ -5465,19 +5543,6 @@
               </a:rPr>
               <a:t>.</a:t>
             </a:r>
-            <a:endParaRPr lang="en-GB" sz="1352" b="1" dirty="0">
-              <a:solidFill>
-                <a:schemeClr val="bg1">
-                  <a:lumMod val="95000"/>
-                  <a:lumOff val="5000"/>
-                </a:schemeClr>
-              </a:solidFill>
-              <a:latin typeface="Arial" panose="020B0604020202020204" pitchFamily="34" charset="0"/>
-              <a:cs typeface="Arial" panose="020B0604020202020204" pitchFamily="34" charset="0"/>
-            </a:endParaRPr>
-          </a:p>
-          <a:p>
-            <a:pPr algn="ctr"/>
             <a:endParaRPr lang="en-GB" sz="1352" dirty="0">
               <a:solidFill>
                 <a:schemeClr val="bg1">
@@ -5498,11 +5563,7 @@
             <a:graphicFrameLocks noGrp="1"/>
           </p:cNvGraphicFramePr>
           <p:nvPr>
-            <p:extLst>
-              <p:ext uri="{D42A27DB-BD31-4B8C-83A1-F6EECF244321}">
-                <p14:modId xmlns:p14="http://schemas.microsoft.com/office/powerpoint/2010/main" val="2604197253"/>
-              </p:ext>
-            </p:extLst>
+            <p:extLst/>
           </p:nvPr>
         </p:nvGraphicFramePr>
         <p:xfrm>
@@ -5561,7 +5622,7 @@
     </p:spTree>
     <p:extLst>
       <p:ext uri="{BB962C8B-B14F-4D97-AF65-F5344CB8AC3E}">
-        <p14:creationId xmlns:p14="http://schemas.microsoft.com/office/powerpoint/2010/main" val="637061085"/>
+        <p14:creationId xmlns:p14="http://schemas.microsoft.com/office/powerpoint/2010/main" val="2137265386"/>
       </p:ext>
     </p:extLst>
   </p:cSld>
@@ -5674,8 +5735,8 @@
         </p:nvSpPr>
         <p:spPr>
           <a:xfrm>
-            <a:off x="31144" y="1818512"/>
-            <a:ext cx="9599249" cy="3629520"/>
+            <a:off x="476738" y="1771622"/>
+            <a:ext cx="8661172" cy="3629520"/>
           </a:xfrm>
           <a:prstGeom prst="rect">
             <a:avLst/>
@@ -6666,10 +6727,7 @@
             <a:r>
               <a:rPr lang="en-GB" sz="1352" b="1" dirty="0" smtClean="0">
                 <a:solidFill>
-                  <a:schemeClr val="bg1">
-                    <a:lumMod val="95000"/>
-                    <a:lumOff val="5000"/>
-                  </a:schemeClr>
+                  <a:srgbClr val="FFFF00"/>
                 </a:solidFill>
                 <a:latin typeface="Arial" panose="020B0604020202020204" pitchFamily="34" charset="0"/>
                 <a:cs typeface="Arial" panose="020B0604020202020204" pitchFamily="34" charset="0"/>
@@ -6678,10 +6736,7 @@
             </a:r>
             <a:endParaRPr lang="en-GB" sz="1352" b="1" dirty="0">
               <a:solidFill>
-                <a:schemeClr val="bg1">
-                  <a:lumMod val="95000"/>
-                  <a:lumOff val="5000"/>
-                </a:schemeClr>
+                <a:srgbClr val="FFFF00"/>
               </a:solidFill>
               <a:latin typeface="Arial" panose="020B0604020202020204" pitchFamily="34" charset="0"/>
               <a:cs typeface="Arial" panose="020B0604020202020204" pitchFamily="34" charset="0"/>
@@ -7089,7 +7144,7 @@
         </p:blipFill>
         <p:spPr>
           <a:xfrm>
-            <a:off x="1386733" y="2661190"/>
+            <a:off x="1386733" y="1891570"/>
             <a:ext cx="6825784" cy="1358132"/>
           </a:xfrm>
           <a:prstGeom prst="rect">
@@ -7105,8 +7160,8 @@
         </p:nvSpPr>
         <p:spPr>
           <a:xfrm>
-            <a:off x="1951" y="4175913"/>
-            <a:ext cx="9599249" cy="924612"/>
+            <a:off x="1074421" y="3612033"/>
+            <a:ext cx="7454310" cy="1132682"/>
           </a:xfrm>
           <a:prstGeom prst="rect">
             <a:avLst/>
@@ -8117,30 +8172,6 @@
           <a:chExt cx="0" cy="0"/>
         </a:xfrm>
       </p:grpSpPr>
-      <p:pic>
-        <p:nvPicPr>
-          <p:cNvPr id="6" name="Picture 5"/>
-          <p:cNvPicPr>
-            <a:picLocks noChangeAspect="1"/>
-          </p:cNvPicPr>
-          <p:nvPr/>
-        </p:nvPicPr>
-        <p:blipFill>
-          <a:blip r:embed="rId2"/>
-          <a:stretch>
-            <a:fillRect/>
-          </a:stretch>
-        </p:blipFill>
-        <p:spPr>
-          <a:xfrm>
-            <a:off x="1387708" y="2682438"/>
-            <a:ext cx="6825784" cy="1358132"/>
-          </a:xfrm>
-          <a:prstGeom prst="rect">
-            <a:avLst/>
-          </a:prstGeom>
-        </p:spPr>
-      </p:pic>
       <p:sp>
         <p:nvSpPr>
           <p:cNvPr id="5" name="Rectangle 4"/>
@@ -8149,7 +8180,7 @@
         </p:nvSpPr>
         <p:spPr>
           <a:xfrm>
-            <a:off x="0" y="4194759"/>
+            <a:off x="0" y="3615639"/>
             <a:ext cx="9599249" cy="924612"/>
           </a:xfrm>
           <a:prstGeom prst="rect">
@@ -8452,6 +8483,30 @@
           </a:graphicData>
         </a:graphic>
       </p:graphicFrame>
+      <p:pic>
+        <p:nvPicPr>
+          <p:cNvPr id="11" name="Picture 10"/>
+          <p:cNvPicPr>
+            <a:picLocks noChangeAspect="1"/>
+          </p:cNvPicPr>
+          <p:nvPr/>
+        </p:nvPicPr>
+        <p:blipFill>
+          <a:blip r:embed="rId2"/>
+          <a:stretch>
+            <a:fillRect/>
+          </a:stretch>
+        </p:blipFill>
+        <p:spPr>
+          <a:xfrm>
+            <a:off x="1386733" y="1891570"/>
+            <a:ext cx="6825784" cy="1358132"/>
+          </a:xfrm>
+          <a:prstGeom prst="rect">
+            <a:avLst/>
+          </a:prstGeom>
+        </p:spPr>
+      </p:pic>
       <p:cxnSp>
         <p:nvCxnSpPr>
           <p:cNvPr id="10" name="Straight Arrow Connector 9"/>
@@ -8460,7 +8515,7 @@
         </p:nvCxnSpPr>
         <p:spPr>
           <a:xfrm flipH="1" flipV="1">
-            <a:off x="6610304" y="3605330"/>
+            <a:off x="6541724" y="2858925"/>
             <a:ext cx="1048051" cy="781554"/>
           </a:xfrm>
           <a:prstGeom prst="straightConnector1">
@@ -8964,7 +9019,7 @@
       </p:graphicFrame>
       <p:pic>
         <p:nvPicPr>
-          <p:cNvPr id="2" name="Picture 1"/>
+          <p:cNvPr id="6" name="Picture 5"/>
           <p:cNvPicPr>
             <a:picLocks noChangeAspect="1"/>
           </p:cNvPicPr>
@@ -8978,7 +9033,7 @@
         </p:blipFill>
         <p:spPr>
           <a:xfrm>
-            <a:off x="1386733" y="1870652"/>
+            <a:off x="1386733" y="1891570"/>
             <a:ext cx="6825784" cy="1358132"/>
           </a:xfrm>
           <a:prstGeom prst="rect">
@@ -9264,7 +9319,7 @@
         </p:nvGrpSpPr>
         <p:grpSpPr>
           <a:xfrm>
-            <a:off x="1386732" y="1870652"/>
+            <a:off x="1386732" y="1893512"/>
             <a:ext cx="6825784" cy="1708790"/>
             <a:chOff x="2256649" y="785524"/>
             <a:chExt cx="11107700" cy="2780740"/>
@@ -9557,7 +9612,7 @@
         </p:nvGrpSpPr>
         <p:grpSpPr>
           <a:xfrm>
-            <a:off x="1386732" y="1870652"/>
+            <a:off x="1386732" y="1893512"/>
             <a:ext cx="6825784" cy="1708790"/>
             <a:chOff x="2256649" y="785524"/>
             <a:chExt cx="11107700" cy="2780740"/>
@@ -10192,7 +10247,7 @@
         </p:nvSpPr>
         <p:spPr>
           <a:xfrm>
-            <a:off x="-612" y="2826039"/>
+            <a:off x="-612" y="2051628"/>
             <a:ext cx="9599249" cy="1548822"/>
           </a:xfrm>
           <a:prstGeom prst="rect">
@@ -10288,20 +10343,7 @@
                 <a:latin typeface="Arial" panose="020B0604020202020204" pitchFamily="34" charset="0"/>
                 <a:cs typeface="Arial" panose="020B0604020202020204" pitchFamily="34" charset="0"/>
               </a:rPr>
-              <a:t>If you get the task wrong you will hear a noise.</a:t>
-            </a:r>
-            <a:r>
-              <a:rPr lang="en-GB" sz="1352" dirty="0" smtClean="0">
-                <a:solidFill>
-                  <a:schemeClr val="bg1">
-                    <a:lumMod val="95000"/>
-                    <a:lumOff val="5000"/>
-                  </a:schemeClr>
-                </a:solidFill>
-                <a:latin typeface="Arial" panose="020B0604020202020204" pitchFamily="34" charset="0"/>
-                <a:cs typeface="Arial" panose="020B0604020202020204" pitchFamily="34" charset="0"/>
-              </a:rPr>
-              <a:t> </a:t>
+              <a:t>If you get the task wrong you will hear a noise. </a:t>
             </a:r>
             <a:endParaRPr lang="en-GB" sz="1352" dirty="0">
               <a:solidFill>
@@ -10533,7 +10575,7 @@
         </p:nvSpPr>
         <p:spPr>
           <a:xfrm>
-            <a:off x="-1" y="2944843"/>
+            <a:off x="-612" y="1961863"/>
             <a:ext cx="9599249" cy="2041264"/>
           </a:xfrm>
           <a:prstGeom prst="rect">
